--- a/Documentation/project clould computing.pptx
+++ b/Documentation/project clould computing.pptx
@@ -5,7 +5,7 @@
     <p:sldMasterId id="2147483684" r:id="rId1"/>
   </p:sldMasterIdLst>
   <p:notesMasterIdLst>
-    <p:notesMasterId r:id="rId16"/>
+    <p:notesMasterId r:id="rId17"/>
   </p:notesMasterIdLst>
   <p:sldIdLst>
     <p:sldId id="286" r:id="rId2"/>
@@ -21,7 +21,8 @@
     <p:sldId id="262" r:id="rId12"/>
     <p:sldId id="263" r:id="rId13"/>
     <p:sldId id="297" r:id="rId14"/>
-    <p:sldId id="298" r:id="rId15"/>
+    <p:sldId id="299" r:id="rId15"/>
+    <p:sldId id="298" r:id="rId16"/>
   </p:sldIdLst>
   <p:sldSz cx="9144000" cy="6858000" type="screen4x3"/>
   <p:notesSz cx="6858000" cy="9144000"/>
@@ -122,7 +123,7 @@
   </p:defaultTextStyle>
   <p:extLst>
     <p:ext uri="{EFAFB233-063F-42B5-8137-9DF3F51BA10A}">
-      <p15:sldGuideLst xmlns:p15="http://schemas.microsoft.com/office/powerpoint/2012/main" xmlns="">
+      <p15:sldGuideLst xmlns:p15="http://schemas.microsoft.com/office/powerpoint/2012/main">
         <p15:guide id="1" orient="horz" pos="2160">
           <p15:clr>
             <a:srgbClr val="A4A3A4"/>
@@ -222,7 +223,7 @@
             <a:fld id="{ED542FFD-C346-4EFE-8E1B-290AC7B0CAEA}" type="datetimeFigureOut">
               <a:rPr lang="en-US" smtClean="0"/>
               <a:pPr/>
-              <a:t>4/25/2018</a:t>
+              <a:t>4/30/2018</a:t>
             </a:fld>
             <a:endParaRPr lang="en-CA"/>
           </a:p>
@@ -1283,7 +1284,7 @@
             <a:fld id="{4601A547-7BA2-418C-81D5-E591E597F427}" type="datetimeFigureOut">
               <a:rPr lang="en-US" smtClean="0"/>
               <a:pPr/>
-              <a:t>4/25/2018</a:t>
+              <a:t>4/30/2018</a:t>
             </a:fld>
             <a:endParaRPr lang="en-CA"/>
           </a:p>
@@ -1335,7 +1336,7 @@
     </p:spTree>
     <p:extLst>
       <p:ext uri="{BB962C8B-B14F-4D97-AF65-F5344CB8AC3E}">
-        <p14:creationId xmlns:p14="http://schemas.microsoft.com/office/powerpoint/2010/main" xmlns="" val="1460504405"/>
+        <p14:creationId xmlns:p14="http://schemas.microsoft.com/office/powerpoint/2010/main" val="1460504405"/>
       </p:ext>
     </p:extLst>
   </p:cSld>
@@ -1536,7 +1537,7 @@
             <a:fld id="{4601A547-7BA2-418C-81D5-E591E597F427}" type="datetimeFigureOut">
               <a:rPr lang="en-US" smtClean="0"/>
               <a:pPr/>
-              <a:t>4/25/2018</a:t>
+              <a:t>4/30/2018</a:t>
             </a:fld>
             <a:endParaRPr lang="en-CA"/>
           </a:p>
@@ -1588,7 +1589,7 @@
     </p:spTree>
     <p:extLst>
       <p:ext uri="{BB962C8B-B14F-4D97-AF65-F5344CB8AC3E}">
-        <p14:creationId xmlns:p14="http://schemas.microsoft.com/office/powerpoint/2010/main" xmlns="" val="2375659790"/>
+        <p14:creationId xmlns:p14="http://schemas.microsoft.com/office/powerpoint/2010/main" val="2375659790"/>
       </p:ext>
     </p:extLst>
   </p:cSld>
@@ -1852,7 +1853,7 @@
             <a:fld id="{4601A547-7BA2-418C-81D5-E591E597F427}" type="datetimeFigureOut">
               <a:rPr lang="en-US" smtClean="0"/>
               <a:pPr/>
-              <a:t>4/25/2018</a:t>
+              <a:t>4/30/2018</a:t>
             </a:fld>
             <a:endParaRPr lang="en-CA"/>
           </a:p>
@@ -1986,7 +1987,7 @@
     </p:spTree>
     <p:extLst>
       <p:ext uri="{BB962C8B-B14F-4D97-AF65-F5344CB8AC3E}">
-        <p14:creationId xmlns:p14="http://schemas.microsoft.com/office/powerpoint/2010/main" xmlns="" val="2699861283"/>
+        <p14:creationId xmlns:p14="http://schemas.microsoft.com/office/powerpoint/2010/main" val="2699861283"/>
       </p:ext>
     </p:extLst>
   </p:cSld>
@@ -2187,7 +2188,7 @@
             <a:fld id="{4601A547-7BA2-418C-81D5-E591E597F427}" type="datetimeFigureOut">
               <a:rPr lang="en-US" smtClean="0"/>
               <a:pPr/>
-              <a:t>4/25/2018</a:t>
+              <a:t>4/30/2018</a:t>
             </a:fld>
             <a:endParaRPr lang="en-CA"/>
           </a:p>
@@ -2239,7 +2240,7 @@
     </p:spTree>
     <p:extLst>
       <p:ext uri="{BB962C8B-B14F-4D97-AF65-F5344CB8AC3E}">
-        <p14:creationId xmlns:p14="http://schemas.microsoft.com/office/powerpoint/2010/main" xmlns="" val="2459871211"/>
+        <p14:creationId xmlns:p14="http://schemas.microsoft.com/office/powerpoint/2010/main" val="2459871211"/>
       </p:ext>
     </p:extLst>
   </p:cSld>
@@ -2503,7 +2504,7 @@
             <a:fld id="{4601A547-7BA2-418C-81D5-E591E597F427}" type="datetimeFigureOut">
               <a:rPr lang="en-US" smtClean="0"/>
               <a:pPr/>
-              <a:t>4/25/2018</a:t>
+              <a:t>4/30/2018</a:t>
             </a:fld>
             <a:endParaRPr lang="en-CA"/>
           </a:p>
@@ -2637,7 +2638,7 @@
     </p:spTree>
     <p:extLst>
       <p:ext uri="{BB962C8B-B14F-4D97-AF65-F5344CB8AC3E}">
-        <p14:creationId xmlns:p14="http://schemas.microsoft.com/office/powerpoint/2010/main" xmlns="" val="1005737352"/>
+        <p14:creationId xmlns:p14="http://schemas.microsoft.com/office/powerpoint/2010/main" val="1005737352"/>
       </p:ext>
     </p:extLst>
   </p:cSld>
@@ -2898,7 +2899,7 @@
             <a:fld id="{4601A547-7BA2-418C-81D5-E591E597F427}" type="datetimeFigureOut">
               <a:rPr lang="en-US" smtClean="0"/>
               <a:pPr/>
-              <a:t>4/25/2018</a:t>
+              <a:t>4/30/2018</a:t>
             </a:fld>
             <a:endParaRPr lang="en-CA"/>
           </a:p>
@@ -2950,7 +2951,7 @@
     </p:spTree>
     <p:extLst>
       <p:ext uri="{BB962C8B-B14F-4D97-AF65-F5344CB8AC3E}">
-        <p14:creationId xmlns:p14="http://schemas.microsoft.com/office/powerpoint/2010/main" xmlns="" val="87226488"/>
+        <p14:creationId xmlns:p14="http://schemas.microsoft.com/office/powerpoint/2010/main" val="87226488"/>
       </p:ext>
     </p:extLst>
   </p:cSld>
@@ -3070,7 +3071,7 @@
             <a:fld id="{4601A547-7BA2-418C-81D5-E591E597F427}" type="datetimeFigureOut">
               <a:rPr lang="en-US" smtClean="0"/>
               <a:pPr/>
-              <a:t>4/25/2018</a:t>
+              <a:t>4/30/2018</a:t>
             </a:fld>
             <a:endParaRPr lang="en-CA"/>
           </a:p>
@@ -3122,7 +3123,7 @@
     </p:spTree>
     <p:extLst>
       <p:ext uri="{BB962C8B-B14F-4D97-AF65-F5344CB8AC3E}">
-        <p14:creationId xmlns:p14="http://schemas.microsoft.com/office/powerpoint/2010/main" xmlns="" val="1725468570"/>
+        <p14:creationId xmlns:p14="http://schemas.microsoft.com/office/powerpoint/2010/main" val="1725468570"/>
       </p:ext>
     </p:extLst>
   </p:cSld>
@@ -3252,7 +3253,7 @@
             <a:fld id="{4601A547-7BA2-418C-81D5-E591E597F427}" type="datetimeFigureOut">
               <a:rPr lang="en-US" smtClean="0"/>
               <a:pPr/>
-              <a:t>4/25/2018</a:t>
+              <a:t>4/30/2018</a:t>
             </a:fld>
             <a:endParaRPr lang="en-CA"/>
           </a:p>
@@ -3304,7 +3305,7 @@
     </p:spTree>
     <p:extLst>
       <p:ext uri="{BB962C8B-B14F-4D97-AF65-F5344CB8AC3E}">
-        <p14:creationId xmlns:p14="http://schemas.microsoft.com/office/powerpoint/2010/main" xmlns="" val="371750102"/>
+        <p14:creationId xmlns:p14="http://schemas.microsoft.com/office/powerpoint/2010/main" val="371750102"/>
       </p:ext>
     </p:extLst>
   </p:cSld>
@@ -3424,7 +3425,7 @@
             <a:fld id="{4601A547-7BA2-418C-81D5-E591E597F427}" type="datetimeFigureOut">
               <a:rPr lang="en-US" smtClean="0"/>
               <a:pPr/>
-              <a:t>4/25/2018</a:t>
+              <a:t>4/30/2018</a:t>
             </a:fld>
             <a:endParaRPr lang="en-CA"/>
           </a:p>
@@ -3476,7 +3477,7 @@
     </p:spTree>
     <p:extLst>
       <p:ext uri="{BB962C8B-B14F-4D97-AF65-F5344CB8AC3E}">
-        <p14:creationId xmlns:p14="http://schemas.microsoft.com/office/powerpoint/2010/main" xmlns="" val="159832767"/>
+        <p14:creationId xmlns:p14="http://schemas.microsoft.com/office/powerpoint/2010/main" val="159832767"/>
       </p:ext>
     </p:extLst>
   </p:cSld>
@@ -3673,7 +3674,7 @@
             <a:fld id="{4601A547-7BA2-418C-81D5-E591E597F427}" type="datetimeFigureOut">
               <a:rPr lang="en-US" smtClean="0"/>
               <a:pPr/>
-              <a:t>4/25/2018</a:t>
+              <a:t>4/30/2018</a:t>
             </a:fld>
             <a:endParaRPr lang="en-CA"/>
           </a:p>
@@ -3725,7 +3726,7 @@
     </p:spTree>
     <p:extLst>
       <p:ext uri="{BB962C8B-B14F-4D97-AF65-F5344CB8AC3E}">
-        <p14:creationId xmlns:p14="http://schemas.microsoft.com/office/powerpoint/2010/main" xmlns="" val="3474936918"/>
+        <p14:creationId xmlns:p14="http://schemas.microsoft.com/office/powerpoint/2010/main" val="3474936918"/>
       </p:ext>
     </p:extLst>
   </p:cSld>
@@ -3972,7 +3973,7 @@
             <a:fld id="{4601A547-7BA2-418C-81D5-E591E597F427}" type="datetimeFigureOut">
               <a:rPr lang="en-US" smtClean="0"/>
               <a:pPr/>
-              <a:t>4/25/2018</a:t>
+              <a:t>4/30/2018</a:t>
             </a:fld>
             <a:endParaRPr lang="en-CA"/>
           </a:p>
@@ -4024,7 +4025,7 @@
     </p:spTree>
     <p:extLst>
       <p:ext uri="{BB962C8B-B14F-4D97-AF65-F5344CB8AC3E}">
-        <p14:creationId xmlns:p14="http://schemas.microsoft.com/office/powerpoint/2010/main" xmlns="" val="1886825382"/>
+        <p14:creationId xmlns:p14="http://schemas.microsoft.com/office/powerpoint/2010/main" val="1886825382"/>
       </p:ext>
     </p:extLst>
   </p:cSld>
@@ -4353,7 +4354,7 @@
             <a:fld id="{4601A547-7BA2-418C-81D5-E591E597F427}" type="datetimeFigureOut">
               <a:rPr lang="en-US" smtClean="0"/>
               <a:pPr/>
-              <a:t>4/25/2018</a:t>
+              <a:t>4/30/2018</a:t>
             </a:fld>
             <a:endParaRPr lang="en-CA"/>
           </a:p>
@@ -4405,7 +4406,7 @@
     </p:spTree>
     <p:extLst>
       <p:ext uri="{BB962C8B-B14F-4D97-AF65-F5344CB8AC3E}">
-        <p14:creationId xmlns:p14="http://schemas.microsoft.com/office/powerpoint/2010/main" xmlns="" val="144697598"/>
+        <p14:creationId xmlns:p14="http://schemas.microsoft.com/office/powerpoint/2010/main" val="144697598"/>
       </p:ext>
     </p:extLst>
   </p:cSld>
@@ -4478,7 +4479,7 @@
             <a:fld id="{4601A547-7BA2-418C-81D5-E591E597F427}" type="datetimeFigureOut">
               <a:rPr lang="en-US" smtClean="0"/>
               <a:pPr/>
-              <a:t>4/25/2018</a:t>
+              <a:t>4/30/2018</a:t>
             </a:fld>
             <a:endParaRPr lang="en-CA"/>
           </a:p>
@@ -4530,7 +4531,7 @@
     </p:spTree>
     <p:extLst>
       <p:ext uri="{BB962C8B-B14F-4D97-AF65-F5344CB8AC3E}">
-        <p14:creationId xmlns:p14="http://schemas.microsoft.com/office/powerpoint/2010/main" xmlns="" val="2523351537"/>
+        <p14:creationId xmlns:p14="http://schemas.microsoft.com/office/powerpoint/2010/main" val="2523351537"/>
       </p:ext>
     </p:extLst>
   </p:cSld>
@@ -4575,7 +4576,7 @@
             <a:fld id="{4601A547-7BA2-418C-81D5-E591E597F427}" type="datetimeFigureOut">
               <a:rPr lang="en-US" smtClean="0"/>
               <a:pPr/>
-              <a:t>4/25/2018</a:t>
+              <a:t>4/30/2018</a:t>
             </a:fld>
             <a:endParaRPr lang="en-CA"/>
           </a:p>
@@ -4627,7 +4628,7 @@
     </p:spTree>
     <p:extLst>
       <p:ext uri="{BB962C8B-B14F-4D97-AF65-F5344CB8AC3E}">
-        <p14:creationId xmlns:p14="http://schemas.microsoft.com/office/powerpoint/2010/main" xmlns="" val="3285641387"/>
+        <p14:creationId xmlns:p14="http://schemas.microsoft.com/office/powerpoint/2010/main" val="3285641387"/>
       </p:ext>
     </p:extLst>
   </p:cSld>
@@ -4832,7 +4833,7 @@
             <a:fld id="{4601A547-7BA2-418C-81D5-E591E597F427}" type="datetimeFigureOut">
               <a:rPr lang="en-US" smtClean="0"/>
               <a:pPr/>
-              <a:t>4/25/2018</a:t>
+              <a:t>4/30/2018</a:t>
             </a:fld>
             <a:endParaRPr lang="en-CA"/>
           </a:p>
@@ -4884,7 +4885,7 @@
     </p:spTree>
     <p:extLst>
       <p:ext uri="{BB962C8B-B14F-4D97-AF65-F5344CB8AC3E}">
-        <p14:creationId xmlns:p14="http://schemas.microsoft.com/office/powerpoint/2010/main" xmlns="" val="1722104218"/>
+        <p14:creationId xmlns:p14="http://schemas.microsoft.com/office/powerpoint/2010/main" val="1722104218"/>
       </p:ext>
     </p:extLst>
   </p:cSld>
@@ -5097,7 +5098,7 @@
             <a:fld id="{4601A547-7BA2-418C-81D5-E591E597F427}" type="datetimeFigureOut">
               <a:rPr lang="en-US" smtClean="0"/>
               <a:pPr/>
-              <a:t>4/25/2018</a:t>
+              <a:t>4/30/2018</a:t>
             </a:fld>
             <a:endParaRPr lang="en-CA"/>
           </a:p>
@@ -5149,7 +5150,7 @@
     </p:spTree>
     <p:extLst>
       <p:ext uri="{BB962C8B-B14F-4D97-AF65-F5344CB8AC3E}">
-        <p14:creationId xmlns:p14="http://schemas.microsoft.com/office/powerpoint/2010/main" xmlns="" val="393032988"/>
+        <p14:creationId xmlns:p14="http://schemas.microsoft.com/office/powerpoint/2010/main" val="393032988"/>
       </p:ext>
     </p:extLst>
   </p:cSld>
@@ -5913,7 +5914,7 @@
             <a:fld id="{4601A547-7BA2-418C-81D5-E591E597F427}" type="datetimeFigureOut">
               <a:rPr lang="en-US" smtClean="0"/>
               <a:pPr/>
-              <a:t>4/25/2018</a:t>
+              <a:t>4/30/2018</a:t>
             </a:fld>
             <a:endParaRPr lang="en-CA"/>
           </a:p>
@@ -5999,7 +6000,7 @@
     </p:spTree>
     <p:extLst>
       <p:ext uri="{BB962C8B-B14F-4D97-AF65-F5344CB8AC3E}">
-        <p14:creationId xmlns:p14="http://schemas.microsoft.com/office/powerpoint/2010/main" xmlns="" val="2318345752"/>
+        <p14:creationId xmlns:p14="http://schemas.microsoft.com/office/powerpoint/2010/main" val="2318345752"/>
       </p:ext>
     </p:extLst>
   </p:cSld>
@@ -6459,7 +6460,7 @@
               <a:buNone/>
             </a:pPr>
             <a:r>
-              <a:rPr lang="en-US" sz="3200" dirty="0" smtClean="0"/>
+              <a:rPr lang="en-US" sz="3200" dirty="0"/>
               <a:t>University Community</a:t>
             </a:r>
           </a:p>
@@ -6468,16 +6469,8 @@
               <a:buNone/>
             </a:pPr>
             <a:r>
-              <a:rPr lang="en-US" sz="3200" dirty="0" smtClean="0"/>
-              <a:t>Report and Response </a:t>
-            </a:r>
-            <a:r>
               <a:rPr lang="en-US" sz="3200" dirty="0"/>
-              <a:t>A</a:t>
-            </a:r>
-            <a:r>
-              <a:rPr lang="en-US" sz="3200" dirty="0" smtClean="0"/>
-              <a:t>pp </a:t>
+              <a:t>Report and Response App </a:t>
             </a:r>
             <a:endParaRPr lang="en-US" dirty="0"/>
           </a:p>
@@ -6486,62 +6479,56 @@
               <a:buNone/>
             </a:pPr>
             <a:r>
-              <a:rPr lang="en-US" dirty="0" smtClean="0"/>
+              <a:rPr lang="en-US" dirty="0"/>
               <a:t>By:</a:t>
             </a:r>
-            <a:endParaRPr lang="en-US" dirty="0" smtClean="0"/>
           </a:p>
           <a:p>
             <a:pPr algn="ctr">
               <a:buNone/>
             </a:pPr>
             <a:r>
-              <a:rPr lang="en-US" dirty="0" err="1" smtClean="0"/>
+              <a:rPr lang="en-US" dirty="0" err="1"/>
               <a:t>Abimbola</a:t>
             </a:r>
             <a:r>
-              <a:rPr lang="en-US" dirty="0" smtClean="0"/>
+              <a:rPr lang="en-US" dirty="0"/>
               <a:t> </a:t>
             </a:r>
             <a:r>
-              <a:rPr lang="en-US" dirty="0" err="1" smtClean="0"/>
+              <a:rPr lang="en-US" dirty="0" err="1"/>
               <a:t>Adeyemi</a:t>
             </a:r>
-            <a:endParaRPr lang="en-US" dirty="0" smtClean="0"/>
+            <a:endParaRPr lang="en-US" dirty="0"/>
           </a:p>
           <a:p>
             <a:pPr algn="ctr">
               <a:buNone/>
             </a:pPr>
             <a:r>
-              <a:rPr lang="en-US" dirty="0" smtClean="0"/>
+              <a:rPr lang="en-US" dirty="0"/>
               <a:t>Cameron </a:t>
             </a:r>
             <a:r>
-              <a:rPr lang="en-US" dirty="0" err="1" smtClean="0"/>
+              <a:rPr lang="en-US" dirty="0" err="1"/>
               <a:t>L’Ecuyer</a:t>
             </a:r>
-            <a:endParaRPr lang="en-US" dirty="0" smtClean="0"/>
+            <a:endParaRPr lang="en-US" dirty="0"/>
           </a:p>
           <a:p>
             <a:pPr algn="ctr">
               <a:buNone/>
             </a:pPr>
-            <a:endParaRPr lang="en-US" dirty="0" smtClean="0"/>
+            <a:endParaRPr lang="en-US" dirty="0"/>
           </a:p>
           <a:p>
             <a:pPr algn="ctr">
               <a:buNone/>
             </a:pPr>
             <a:r>
-              <a:rPr lang="en-US" dirty="0" smtClean="0"/>
-              <a:t>Project </a:t>
-            </a:r>
-            <a:r>
-              <a:rPr lang="en-US" dirty="0" smtClean="0"/>
-              <a:t>Supervisor:</a:t>
-            </a:r>
-            <a:endParaRPr lang="en-US" dirty="0"/>
+              <a:rPr lang="en-US" dirty="0"/>
+              <a:t>Project Supervisor:</a:t>
+            </a:r>
           </a:p>
           <a:p>
             <a:pPr algn="ctr">
@@ -6552,22 +6539,22 @@
               <a:t>Professor </a:t>
             </a:r>
             <a:r>
-              <a:rPr lang="en-US" dirty="0" err="1" smtClean="0"/>
+              <a:rPr lang="en-US" dirty="0" err="1"/>
               <a:t>Choi</a:t>
             </a:r>
-            <a:endParaRPr lang="en-US" dirty="0" smtClean="0"/>
+            <a:endParaRPr lang="en-US" dirty="0"/>
           </a:p>
           <a:p>
             <a:pPr algn="ctr">
               <a:buNone/>
             </a:pPr>
-            <a:endParaRPr lang="en-US" dirty="0" smtClean="0"/>
+            <a:endParaRPr lang="en-US" dirty="0"/>
           </a:p>
           <a:p>
             <a:pPr algn="ctr">
               <a:buNone/>
             </a:pPr>
-            <a:endParaRPr lang="en-US" dirty="0" smtClean="0"/>
+            <a:endParaRPr lang="en-US" dirty="0"/>
           </a:p>
           <a:p>
             <a:endParaRPr lang="en-CA" dirty="0"/>
@@ -6625,12 +6612,8 @@
           <a:lstStyle/>
           <a:p>
             <a:r>
-              <a:rPr lang="en-US" dirty="0" smtClean="0"/>
+              <a:rPr lang="en-US" dirty="0"/>
               <a:t>Application</a:t>
-            </a:r>
-            <a:r>
-              <a:rPr lang="en-US" dirty="0"/>
-              <a:t/>
             </a:r>
             <a:br>
               <a:rPr lang="en-US" dirty="0"/>
@@ -6766,7 +6749,7 @@
           <a:lstStyle/>
           <a:p>
             <a:r>
-              <a:rPr lang="en-US" dirty="0" smtClean="0"/>
+              <a:rPr lang="en-US" dirty="0"/>
               <a:t>Application</a:t>
             </a:r>
             <a:endParaRPr lang="en-CA" dirty="0"/>
@@ -6900,7 +6883,7 @@
           <a:lstStyle/>
           <a:p>
             <a:r>
-              <a:rPr lang="en-US" dirty="0" smtClean="0"/>
+              <a:rPr lang="en-US" dirty="0"/>
               <a:t>Application</a:t>
             </a:r>
             <a:endParaRPr lang="en-CA" dirty="0"/>
@@ -7034,10 +7017,9 @@
           <a:lstStyle/>
           <a:p>
             <a:r>
-              <a:rPr lang="en-US" dirty="0" smtClean="0"/>
+              <a:rPr lang="en-US" dirty="0"/>
               <a:t>Application</a:t>
             </a:r>
-            <a:endParaRPr lang="en-US" dirty="0"/>
           </a:p>
         </p:txBody>
       </p:sp>
@@ -7069,6 +7051,125 @@
       </p:pic>
       <p:pic>
         <p:nvPicPr>
+          <p:cNvPr id="4" name="Picture 3">
+            <a:extLst>
+              <a:ext uri="{FF2B5EF4-FFF2-40B4-BE49-F238E27FC236}">
+                <a16:creationId xmlns:a16="http://schemas.microsoft.com/office/drawing/2014/main" id="{687D72CB-B2B5-4456-95AC-879CF3A9C54B}"/>
+              </a:ext>
+            </a:extLst>
+          </p:cNvPr>
+          <p:cNvPicPr>
+            <a:picLocks noChangeAspect="1"/>
+          </p:cNvPicPr>
+          <p:nvPr/>
+        </p:nvPicPr>
+        <p:blipFill>
+          <a:blip r:embed="rId3">
+            <a:extLst>
+              <a:ext uri="{28A0092B-C50C-407E-A947-70E740481C1C}">
+                <a14:useLocalDpi xmlns:a14="http://schemas.microsoft.com/office/drawing/2010/main" val="0"/>
+              </a:ext>
+            </a:extLst>
+          </a:blip>
+          <a:stretch>
+            <a:fillRect/>
+          </a:stretch>
+        </p:blipFill>
+        <p:spPr>
+          <a:xfrm>
+            <a:off x="3331785" y="1270000"/>
+            <a:ext cx="2753708" cy="5067299"/>
+          </a:xfrm>
+          <a:prstGeom prst="rect">
+            <a:avLst/>
+          </a:prstGeom>
+        </p:spPr>
+      </p:pic>
+      <p:pic>
+        <p:nvPicPr>
+          <p:cNvPr id="6" name="Picture 5">
+            <a:extLst>
+              <a:ext uri="{FF2B5EF4-FFF2-40B4-BE49-F238E27FC236}">
+                <a16:creationId xmlns:a16="http://schemas.microsoft.com/office/drawing/2014/main" id="{3A17F300-0DAA-4E4A-801D-54CA4ECB448B}"/>
+              </a:ext>
+            </a:extLst>
+          </p:cNvPr>
+          <p:cNvPicPr>
+            <a:picLocks noChangeAspect="1"/>
+          </p:cNvPicPr>
+          <p:nvPr/>
+        </p:nvPicPr>
+        <p:blipFill>
+          <a:blip r:embed="rId4">
+            <a:extLst>
+              <a:ext uri="{28A0092B-C50C-407E-A947-70E740481C1C}">
+                <a14:useLocalDpi xmlns:a14="http://schemas.microsoft.com/office/drawing/2010/main" val="0"/>
+              </a:ext>
+            </a:extLst>
+          </a:blip>
+          <a:stretch>
+            <a:fillRect/>
+          </a:stretch>
+        </p:blipFill>
+        <p:spPr>
+          <a:xfrm>
+            <a:off x="6390288" y="1287779"/>
+            <a:ext cx="2753710" cy="5067302"/>
+          </a:xfrm>
+          <a:prstGeom prst="rect">
+            <a:avLst/>
+          </a:prstGeom>
+        </p:spPr>
+      </p:pic>
+    </p:spTree>
+  </p:cSld>
+  <p:clrMapOvr>
+    <a:masterClrMapping/>
+  </p:clrMapOvr>
+</p:sld>
+</file>
+
+<file path=ppt/slides/slide14.xml><?xml version="1.0" encoding="utf-8"?>
+<p:sld xmlns:a="http://schemas.openxmlformats.org/drawingml/2006/main" xmlns:r="http://schemas.openxmlformats.org/officeDocument/2006/relationships" xmlns:p="http://schemas.openxmlformats.org/presentationml/2006/main">
+  <p:cSld>
+    <p:spTree>
+      <p:nvGrpSpPr>
+        <p:cNvPr id="1" name=""/>
+        <p:cNvGrpSpPr/>
+        <p:nvPr/>
+      </p:nvGrpSpPr>
+      <p:grpSpPr>
+        <a:xfrm>
+          <a:off x="0" y="0"/>
+          <a:ext cx="0" cy="0"/>
+          <a:chOff x="0" y="0"/>
+          <a:chExt cx="0" cy="0"/>
+        </a:xfrm>
+      </p:grpSpPr>
+      <p:sp>
+        <p:nvSpPr>
+          <p:cNvPr id="2" name="Title 1"/>
+          <p:cNvSpPr>
+            <a:spLocks noGrp="1"/>
+          </p:cNvSpPr>
+          <p:nvPr>
+            <p:ph type="title"/>
+          </p:nvPr>
+        </p:nvSpPr>
+        <p:spPr/>
+        <p:txBody>
+          <a:bodyPr/>
+          <a:lstStyle/>
+          <a:p>
+            <a:r>
+              <a:rPr lang="en-US" dirty="0"/>
+              <a:t>Application</a:t>
+            </a:r>
+          </a:p>
+        </p:txBody>
+      </p:sp>
+      <p:pic>
+        <p:nvPicPr>
           <p:cNvPr id="5123" name="Picture 3" descr="C:\Users\CJ\Documents\GitHub\CloudComputeProject\Documentation\Early Screenshots\Login.jpg"/>
           <p:cNvPicPr>
             <a:picLocks noChangeAspect="1" noChangeArrowheads="1"/>
@@ -7076,7 +7177,7 @@
           <p:nvPr/>
         </p:nvPicPr>
         <p:blipFill>
-          <a:blip r:embed="rId3" cstate="print"/>
+          <a:blip r:embed="rId2" cstate="print"/>
           <a:srcRect/>
           <a:stretch>
             <a:fillRect/>
@@ -7095,31 +7196,82 @@
       </p:pic>
       <p:pic>
         <p:nvPicPr>
-          <p:cNvPr id="5124" name="Picture 4" descr="C:\Users\CJ\Documents\GitHub\CloudComputeProject\Documentation\Early Screenshots\New Issues.jpg"/>
+          <p:cNvPr id="4" name="Picture 3">
+            <a:extLst>
+              <a:ext uri="{FF2B5EF4-FFF2-40B4-BE49-F238E27FC236}">
+                <a16:creationId xmlns:a16="http://schemas.microsoft.com/office/drawing/2014/main" id="{41290E1B-B591-436B-8F51-A3D0C7DF137E}"/>
+              </a:ext>
+            </a:extLst>
+          </p:cNvPr>
           <p:cNvPicPr>
-            <a:picLocks noChangeAspect="1" noChangeArrowheads="1"/>
+            <a:picLocks noChangeAspect="1"/>
           </p:cNvPicPr>
           <p:nvPr/>
         </p:nvPicPr>
         <p:blipFill>
-          <a:blip r:embed="rId4" cstate="print"/>
-          <a:srcRect/>
+          <a:blip r:embed="rId3" cstate="print">
+            <a:extLst>
+              <a:ext uri="{28A0092B-C50C-407E-A947-70E740481C1C}">
+                <a14:useLocalDpi xmlns:a14="http://schemas.microsoft.com/office/drawing/2010/main" val="0"/>
+              </a:ext>
+            </a:extLst>
+          </a:blip>
           <a:stretch>
             <a:fillRect/>
           </a:stretch>
         </p:blipFill>
-        <p:spPr bwMode="auto">
+        <p:spPr>
           <a:xfrm>
-            <a:off x="3210546" y="2362200"/>
-            <a:ext cx="5803997" cy="3416300"/>
+            <a:off x="2286000" y="1915160"/>
+            <a:ext cx="6858000" cy="3382662"/>
           </a:xfrm>
           <a:prstGeom prst="rect">
             <a:avLst/>
           </a:prstGeom>
-          <a:noFill/>
+        </p:spPr>
+      </p:pic>
+      <p:pic>
+        <p:nvPicPr>
+          <p:cNvPr id="6" name="Picture 5">
+            <a:extLst>
+              <a:ext uri="{FF2B5EF4-FFF2-40B4-BE49-F238E27FC236}">
+                <a16:creationId xmlns:a16="http://schemas.microsoft.com/office/drawing/2014/main" id="{943B691F-4A14-4BDE-B3AD-760F1D522920}"/>
+              </a:ext>
+            </a:extLst>
+          </p:cNvPr>
+          <p:cNvPicPr>
+            <a:picLocks noChangeAspect="1"/>
+          </p:cNvPicPr>
+          <p:nvPr/>
+        </p:nvPicPr>
+        <p:blipFill>
+          <a:blip r:embed="rId4">
+            <a:extLst>
+              <a:ext uri="{28A0092B-C50C-407E-A947-70E740481C1C}">
+                <a14:useLocalDpi xmlns:a14="http://schemas.microsoft.com/office/drawing/2010/main" val="0"/>
+              </a:ext>
+            </a:extLst>
+          </a:blip>
+          <a:stretch>
+            <a:fillRect/>
+          </a:stretch>
+        </p:blipFill>
+        <p:spPr>
+          <a:xfrm>
+            <a:off x="-533400" y="3924300"/>
+            <a:ext cx="7248189" cy="3736750"/>
+          </a:xfrm>
+          <a:prstGeom prst="rect">
+            <a:avLst/>
+          </a:prstGeom>
         </p:spPr>
       </p:pic>
     </p:spTree>
+    <p:extLst>
+      <p:ext uri="{BB962C8B-B14F-4D97-AF65-F5344CB8AC3E}">
+        <p14:creationId xmlns:p14="http://schemas.microsoft.com/office/powerpoint/2010/main" val="2075460692"/>
+      </p:ext>
+    </p:extLst>
   </p:cSld>
   <p:clrMapOvr>
     <a:masterClrMapping/>
@@ -7127,7 +7279,7 @@
 </p:sld>
 </file>
 
-<file path=ppt/slides/slide14.xml><?xml version="1.0" encoding="utf-8"?>
+<file path=ppt/slides/slide15.xml><?xml version="1.0" encoding="utf-8"?>
 <p:sld xmlns:a="http://schemas.openxmlformats.org/drawingml/2006/main" xmlns:r="http://schemas.openxmlformats.org/officeDocument/2006/relationships" xmlns:p="http://schemas.openxmlformats.org/presentationml/2006/main">
   <p:cSld>
     <p:spTree>
@@ -7186,10 +7338,9 @@
           <a:lstStyle/>
           <a:p>
             <a:r>
-              <a:rPr lang="en-US" dirty="0" smtClean="0"/>
+              <a:rPr lang="en-US" dirty="0"/>
               <a:t>Application</a:t>
             </a:r>
-            <a:endParaRPr lang="en-US" dirty="0"/>
           </a:p>
         </p:txBody>
       </p:sp>
@@ -7250,13 +7401,6 @@
   <p:clrMapOvr>
     <a:masterClrMapping/>
   </p:clrMapOvr>
-  <p:timing>
-    <p:tnLst>
-      <p:par>
-        <p:cTn id="1" dur="indefinite" restart="never" nodeType="tmRoot"/>
-      </p:par>
-    </p:tnLst>
-  </p:timing>
 </p:sld>
 </file>
 
@@ -7322,7 +7466,7 @@
               <a:buChar char="§"/>
             </a:pPr>
             <a:r>
-              <a:rPr lang="en-US" dirty="0" smtClean="0"/>
+              <a:rPr lang="en-US" dirty="0"/>
               <a:t>Problem Statement</a:t>
             </a:r>
           </a:p>
@@ -7332,10 +7476,9 @@
               <a:buChar char="§"/>
             </a:pPr>
             <a:r>
-              <a:rPr lang="en-US" dirty="0" smtClean="0"/>
+              <a:rPr lang="en-US" dirty="0"/>
               <a:t>Objective of Project</a:t>
             </a:r>
-            <a:endParaRPr lang="en-US" dirty="0"/>
           </a:p>
           <a:p>
             <a:pPr>
@@ -7343,7 +7486,7 @@
               <a:buChar char="§"/>
             </a:pPr>
             <a:r>
-              <a:rPr lang="en-US" dirty="0" smtClean="0"/>
+              <a:rPr lang="en-US" dirty="0"/>
               <a:t>Introduction</a:t>
             </a:r>
           </a:p>
@@ -7353,14 +7496,9 @@
               <a:buChar char="§"/>
             </a:pPr>
             <a:r>
-              <a:rPr lang="en-US" dirty="0" smtClean="0"/>
-              <a:t>Significant of </a:t>
-            </a:r>
-            <a:r>
-              <a:rPr lang="en-US" dirty="0" smtClean="0"/>
-              <a:t>project</a:t>
-            </a:r>
-            <a:endParaRPr lang="en-US" dirty="0" smtClean="0"/>
+              <a:rPr lang="en-US" dirty="0"/>
+              <a:t>Significant of project</a:t>
+            </a:r>
           </a:p>
           <a:p>
             <a:pPr>
@@ -7368,10 +7506,9 @@
               <a:buChar char="§"/>
             </a:pPr>
             <a:r>
-              <a:rPr lang="en-US" dirty="0" smtClean="0"/>
+              <a:rPr lang="en-US" dirty="0"/>
               <a:t>Technologies Used</a:t>
             </a:r>
-            <a:endParaRPr lang="en-US" dirty="0"/>
           </a:p>
           <a:p>
             <a:pPr>
@@ -7380,13 +7517,8 @@
             </a:pPr>
             <a:r>
               <a:rPr lang="en-US" dirty="0"/>
-              <a:t>Overview </a:t>
-            </a:r>
-            <a:r>
-              <a:rPr lang="en-US" dirty="0" smtClean="0"/>
-              <a:t>of the System</a:t>
-            </a:r>
-            <a:endParaRPr lang="en-US" dirty="0"/>
+              <a:t>Overview of the System</a:t>
+            </a:r>
           </a:p>
           <a:p>
             <a:pPr>
@@ -7394,10 +7526,9 @@
               <a:buChar char="§"/>
             </a:pPr>
             <a:r>
-              <a:rPr lang="en-US" dirty="0" smtClean="0"/>
+              <a:rPr lang="en-US" dirty="0"/>
               <a:t>Application</a:t>
             </a:r>
-            <a:endParaRPr lang="en-US" dirty="0"/>
           </a:p>
         </p:txBody>
       </p:sp>
@@ -7450,10 +7581,9 @@
           <a:lstStyle/>
           <a:p>
             <a:r>
-              <a:rPr lang="en-US" dirty="0" smtClean="0"/>
+              <a:rPr lang="en-US" dirty="0"/>
               <a:t>Problem Statement</a:t>
             </a:r>
-            <a:endParaRPr lang="en-US" dirty="0"/>
           </a:p>
         </p:txBody>
       </p:sp>
@@ -7473,16 +7603,15 @@
           <a:lstStyle/>
           <a:p>
             <a:r>
-              <a:rPr lang="en-US" dirty="0" smtClean="0"/>
+              <a:rPr lang="en-US" dirty="0"/>
               <a:t>Through observation, and contact with members of the Facilities Division, we have discovered that UMKC lacks an application that allows students, faculty, and staff to report issues to the Facilities Division</a:t>
             </a:r>
           </a:p>
           <a:p>
             <a:r>
-              <a:rPr lang="en-US" dirty="0" smtClean="0"/>
+              <a:rPr lang="en-US" dirty="0"/>
               <a:t>This slows the speed at which problem are discovered and corrected</a:t>
             </a:r>
-            <a:endParaRPr lang="en-US" dirty="0"/>
           </a:p>
         </p:txBody>
       </p:sp>
@@ -7527,7 +7656,7 @@
           <a:lstStyle/>
           <a:p>
             <a:r>
-              <a:rPr lang="en-US" dirty="0" smtClean="0"/>
+              <a:rPr lang="en-US" dirty="0"/>
               <a:t>Objectives of Project</a:t>
             </a:r>
             <a:endParaRPr lang="en-CA" dirty="0"/>
@@ -7555,13 +7684,13 @@
           </a:p>
           <a:p>
             <a:r>
-              <a:rPr lang="en-US" dirty="0" smtClean="0"/>
+              <a:rPr lang="en-US" dirty="0"/>
               <a:t>Develop a mobile application that would allow students, faculty, and staff to report problems quickly with sufficient detail to the Facilities Division</a:t>
             </a:r>
           </a:p>
           <a:p>
             <a:r>
-              <a:rPr lang="en-US" dirty="0" smtClean="0"/>
+              <a:rPr lang="en-US" dirty="0"/>
               <a:t>Develop a web page to allow members of the Facilities Division to view the issues and then create tasks for members of the various facilities teams view, find, and then correct the problems</a:t>
             </a:r>
             <a:endParaRPr lang="en-CA" dirty="0"/>
@@ -7643,64 +7772,46 @@
           <a:p>
             <a:pPr marL="0" indent="0"/>
             <a:r>
-              <a:rPr lang="en-US" sz="2900" dirty="0" smtClean="0"/>
-              <a:t>This app was created to provide service to UMKC campus </a:t>
-            </a:r>
-            <a:r>
-              <a:rPr lang="en-US" sz="2900" dirty="0" smtClean="0"/>
-              <a:t>community</a:t>
-            </a:r>
-            <a:endParaRPr lang="en-CA" sz="2900" dirty="0" smtClean="0"/>
+              <a:rPr lang="en-US" sz="2900" dirty="0"/>
+              <a:t>This app was created to provide service to UMKC campus community</a:t>
+            </a:r>
+            <a:endParaRPr lang="en-CA" sz="2900" dirty="0"/>
           </a:p>
           <a:p>
             <a:pPr marL="0" indent="0"/>
             <a:r>
-              <a:rPr lang="en-CA" sz="2900" dirty="0" smtClean="0"/>
-              <a:t>E</a:t>
-            </a:r>
-            <a:r>
-              <a:rPr lang="en-CA" sz="2900" dirty="0" smtClean="0"/>
-              <a:t>xample </a:t>
-            </a:r>
-            <a:r>
               <a:rPr lang="en-CA" sz="2900" dirty="0"/>
-              <a:t>of some </a:t>
-            </a:r>
-            <a:r>
-              <a:rPr lang="en-CA" sz="2900" dirty="0" smtClean="0"/>
-              <a:t>issues are:</a:t>
+              <a:t>Example of some issues are:</a:t>
             </a:r>
             <a:endParaRPr lang="en-US" sz="2900" dirty="0"/>
           </a:p>
           <a:p>
             <a:pPr lvl="1"/>
             <a:r>
-              <a:rPr lang="en-US" sz="2700" dirty="0" smtClean="0"/>
+              <a:rPr lang="en-US" sz="2700" dirty="0"/>
               <a:t>Broken toilets/sinks</a:t>
             </a:r>
-            <a:endParaRPr lang="en-US" sz="2700" dirty="0"/>
           </a:p>
           <a:p>
             <a:pPr lvl="1"/>
             <a:r>
-              <a:rPr lang="en-US" sz="2700" dirty="0" smtClean="0"/>
+              <a:rPr lang="en-US" sz="2700" dirty="0"/>
               <a:t>Burned out light bulbs</a:t>
             </a:r>
           </a:p>
           <a:p>
             <a:pPr lvl="1"/>
             <a:r>
-              <a:rPr lang="en-US" sz="2700" dirty="0" smtClean="0"/>
+              <a:rPr lang="en-US" sz="2700" dirty="0"/>
               <a:t>Broken door locks</a:t>
             </a:r>
           </a:p>
           <a:p>
             <a:pPr lvl="1"/>
             <a:r>
-              <a:rPr lang="en-US" sz="2700" dirty="0" smtClean="0"/>
+              <a:rPr lang="en-US" sz="2700" dirty="0"/>
               <a:t>Overflowing trash cans</a:t>
             </a:r>
-            <a:endParaRPr lang="en-US" sz="2700" dirty="0"/>
           </a:p>
           <a:p>
             <a:pPr lvl="0"/>
@@ -7783,75 +7894,20 @@
           <a:p>
             <a:r>
               <a:rPr lang="en-CA" dirty="0"/>
-              <a:t>To contribute to the development </a:t>
-            </a:r>
-            <a:r>
-              <a:rPr lang="en-CA" dirty="0" smtClean="0"/>
-              <a:t>of quick response to problems before they require emergency attention</a:t>
-            </a:r>
-            <a:endParaRPr lang="en-CA" dirty="0"/>
+              <a:t>To contribute to the development of quick response to problems before they require emergency attention</a:t>
+            </a:r>
           </a:p>
           <a:p>
             <a:r>
               <a:rPr lang="en-CA" dirty="0"/>
-              <a:t>To make </a:t>
-            </a:r>
-            <a:r>
-              <a:rPr lang="en-CA" dirty="0" smtClean="0"/>
-              <a:t>a very </a:t>
-            </a:r>
+              <a:t>To make a very flexible app that provides prompt response for non emergency issues</a:t>
+            </a:r>
+          </a:p>
+          <a:p>
             <a:r>
               <a:rPr lang="en-CA" dirty="0"/>
-              <a:t>flexible </a:t>
-            </a:r>
-            <a:r>
-              <a:rPr lang="en-CA" dirty="0" smtClean="0"/>
-              <a:t>app </a:t>
-            </a:r>
-            <a:r>
-              <a:rPr lang="en-CA" dirty="0" smtClean="0"/>
-              <a:t>that </a:t>
-            </a:r>
-            <a:r>
-              <a:rPr lang="en-CA" dirty="0" smtClean="0"/>
-              <a:t>provides </a:t>
-            </a:r>
-            <a:r>
-              <a:rPr lang="en-CA" dirty="0"/>
-              <a:t>prompt response for non emergency </a:t>
-            </a:r>
-            <a:r>
-              <a:rPr lang="en-CA" dirty="0" smtClean="0"/>
-              <a:t>issues</a:t>
-            </a:r>
-            <a:endParaRPr lang="en-CA" dirty="0"/>
-          </a:p>
-          <a:p>
-            <a:r>
-              <a:rPr lang="en-CA" dirty="0"/>
-              <a:t>To create an avenue where non emergency </a:t>
-            </a:r>
-            <a:r>
-              <a:rPr lang="en-CA" dirty="0" smtClean="0"/>
-              <a:t>issues can </a:t>
-            </a:r>
-            <a:r>
-              <a:rPr lang="en-CA" dirty="0"/>
-              <a:t>looked at from </a:t>
-            </a:r>
-            <a:r>
-              <a:rPr lang="en-CA" dirty="0" smtClean="0"/>
-              <a:t>a different </a:t>
-            </a:r>
-            <a:r>
-              <a:rPr lang="en-CA" dirty="0"/>
-              <a:t>perspective by the </a:t>
-            </a:r>
-            <a:r>
-              <a:rPr lang="en-CA" dirty="0" smtClean="0"/>
-              <a:t>administrators</a:t>
-            </a:r>
-            <a:endParaRPr lang="en-CA" dirty="0"/>
+              <a:t>To create an avenue where non emergency issues can looked at from a different perspective by the administrators</a:t>
+            </a:r>
           </a:p>
           <a:p>
             <a:endParaRPr lang="en-CA" dirty="0"/>
@@ -7884,7 +7940,7 @@
           <p:cNvPr id="5" name="Rectangle 1">
             <a:extLst>
               <a:ext uri="{FF2B5EF4-FFF2-40B4-BE49-F238E27FC236}">
-                <a16:creationId xmlns:a16="http://schemas.microsoft.com/office/drawing/2014/main" xmlns="" id="{34AC8CE2-606D-4B42-9536-FA68F3752C65}"/>
+                <a16:creationId xmlns:a16="http://schemas.microsoft.com/office/drawing/2014/main" id="{34AC8CE2-606D-4B42-9536-FA68F3752C65}"/>
               </a:ext>
             </a:extLst>
           </p:cNvPr>
@@ -7908,14 +7964,14 @@
           <a:effectLst/>
           <a:extLst>
             <a:ext uri="{909E8E84-426E-40DD-AFC4-6F175D3DCCD1}">
-              <a14:hiddenFill xmlns:a14="http://schemas.microsoft.com/office/drawing/2010/main" xmlns="">
+              <a14:hiddenFill xmlns:a14="http://schemas.microsoft.com/office/drawing/2010/main">
                 <a:solidFill>
                   <a:schemeClr val="accent1"/>
                 </a:solidFill>
               </a14:hiddenFill>
             </a:ext>
             <a:ext uri="{91240B29-F687-4F45-9708-019B960494DF}">
-              <a14:hiddenLine xmlns:a14="http://schemas.microsoft.com/office/drawing/2010/main" xmlns="" w="9525">
+              <a14:hiddenLine xmlns:a14="http://schemas.microsoft.com/office/drawing/2010/main" w="9525">
                 <a:solidFill>
                   <a:schemeClr val="tx1"/>
                 </a:solidFill>
@@ -7925,7 +7981,7 @@
               </a14:hiddenLine>
             </a:ext>
             <a:ext uri="{AF507438-7753-43E0-B8FC-AC1667EBCBE1}">
-              <a14:hiddenEffects xmlns:a14="http://schemas.microsoft.com/office/drawing/2010/main" xmlns="">
+              <a14:hiddenEffects xmlns:a14="http://schemas.microsoft.com/office/drawing/2010/main">
                 <a:effectLst>
                   <a:outerShdw dist="35921" dir="2700000" algn="ctr" rotWithShape="0">
                     <a:schemeClr val="bg2"/>
@@ -8078,10 +8134,9 @@
           <a:lstStyle/>
           <a:p>
             <a:r>
-              <a:rPr lang="en-US" dirty="0" smtClean="0"/>
+              <a:rPr lang="en-US" dirty="0"/>
               <a:t>Technologies Used</a:t>
             </a:r>
-            <a:endParaRPr lang="en-US" dirty="0"/>
           </a:p>
         </p:txBody>
       </p:sp>
@@ -8101,53 +8156,52 @@
           <a:lstStyle/>
           <a:p>
             <a:r>
-              <a:rPr lang="en-US" dirty="0" smtClean="0"/>
+              <a:rPr lang="en-US" dirty="0"/>
               <a:t>Amazon AWS EC2 Web Server Instance running Apache and PHP, and hosting web page</a:t>
             </a:r>
           </a:p>
           <a:p>
             <a:r>
-              <a:rPr lang="en-US" dirty="0" smtClean="0"/>
+              <a:rPr lang="en-US" dirty="0"/>
               <a:t>Amazon AWS RDS Server running </a:t>
             </a:r>
             <a:r>
-              <a:rPr lang="en-US" dirty="0" err="1" smtClean="0"/>
+              <a:rPr lang="en-US" dirty="0" err="1"/>
               <a:t>MySQL</a:t>
             </a:r>
-            <a:endParaRPr lang="en-US" dirty="0" smtClean="0"/>
-          </a:p>
-          <a:p>
-            <a:r>
-              <a:rPr lang="en-US" dirty="0" smtClean="0"/>
+            <a:endParaRPr lang="en-US" dirty="0"/>
+          </a:p>
+          <a:p>
+            <a:r>
+              <a:rPr lang="en-US" dirty="0"/>
               <a:t>Android Studio to develop Android App</a:t>
             </a:r>
           </a:p>
           <a:p>
             <a:r>
-              <a:rPr lang="en-US" dirty="0" smtClean="0"/>
+              <a:rPr lang="en-US" dirty="0"/>
               <a:t>Google Volley for REST services in Android</a:t>
             </a:r>
           </a:p>
           <a:p>
             <a:r>
-              <a:rPr lang="en-US" dirty="0" smtClean="0"/>
+              <a:rPr lang="en-US" dirty="0"/>
               <a:t>Angular and </a:t>
             </a:r>
             <a:r>
-              <a:rPr lang="en-US" dirty="0" err="1" smtClean="0"/>
+              <a:rPr lang="en-US" dirty="0" err="1"/>
               <a:t>JQuery</a:t>
             </a:r>
             <a:r>
-              <a:rPr lang="en-US" dirty="0" smtClean="0"/>
+              <a:rPr lang="en-US" dirty="0"/>
               <a:t> for business logic in the web page</a:t>
             </a:r>
           </a:p>
           <a:p>
             <a:r>
-              <a:rPr lang="en-US" dirty="0" smtClean="0"/>
+              <a:rPr lang="en-US" dirty="0"/>
               <a:t>Bootstrap, CSS, and HTML for web page UI</a:t>
             </a:r>
-            <a:endParaRPr lang="en-US" dirty="0"/>
           </a:p>
         </p:txBody>
       </p:sp>
@@ -8194,7 +8248,7 @@
           <a:lstStyle/>
           <a:p>
             <a:r>
-              <a:rPr lang="en-US" dirty="0" smtClean="0"/>
+              <a:rPr lang="en-US" dirty="0"/>
               <a:t>Overview of the System</a:t>
             </a:r>
             <a:endParaRPr lang="en-CA" dirty="0"/>
@@ -8278,7 +8332,7 @@
           <a:lstStyle/>
           <a:p>
             <a:r>
-              <a:rPr lang="en-US" dirty="0" smtClean="0"/>
+              <a:rPr lang="en-US" dirty="0"/>
               <a:t>Overview of the System</a:t>
             </a:r>
             <a:endParaRPr lang="en-CA" dirty="0"/>
@@ -8290,7 +8344,7 @@
           <p:cNvPr id="3074" name="Picture 2" descr="https://raw.githubusercontent.com/camlecuyer/CloudComputeProject/master/Documentation/CC%20Database.png">
             <a:extLst>
               <a:ext uri="{FF2B5EF4-FFF2-40B4-BE49-F238E27FC236}">
-                <a16:creationId xmlns:a16="http://schemas.microsoft.com/office/drawing/2014/main" xmlns="" id="{5F55686F-85E2-4F96-845D-24B56ED0B51C}"/>
+                <a16:creationId xmlns:a16="http://schemas.microsoft.com/office/drawing/2014/main" id="{5F55686F-85E2-4F96-845D-24B56ED0B51C}"/>
               </a:ext>
             </a:extLst>
           </p:cNvPr>
@@ -8305,7 +8359,7 @@
           <a:blip r:embed="rId3" cstate="print">
             <a:extLst>
               <a:ext uri="{28A0092B-C50C-407E-A947-70E740481C1C}">
-                <a14:useLocalDpi xmlns:a14="http://schemas.microsoft.com/office/drawing/2010/main" xmlns="" val="0"/>
+                <a14:useLocalDpi xmlns:a14="http://schemas.microsoft.com/office/drawing/2010/main" val="0"/>
               </a:ext>
             </a:extLst>
           </a:blip>
@@ -8325,7 +8379,7 @@
           <a:noFill/>
           <a:extLst>
             <a:ext uri="{909E8E84-426E-40DD-AFC4-6F175D3DCCD1}">
-              <a14:hiddenFill xmlns:a14="http://schemas.microsoft.com/office/drawing/2010/main" xmlns="">
+              <a14:hiddenFill xmlns:a14="http://schemas.microsoft.com/office/drawing/2010/main">
                 <a:solidFill>
                   <a:srgbClr val="FFFFFF"/>
                 </a:solidFill>
@@ -8601,7 +8655,7 @@
   <a:extraClrSchemeLst/>
   <a:extLst>
     <a:ext uri="{05A4C25C-085E-4340-85A3-A5531E510DB2}">
-      <thm15:themeFamily xmlns:thm15="http://schemas.microsoft.com/office/thememl/2012/main" xmlns="" name="Facet" id="{C0C680CD-088A-49FC-A102-D699147F32B2}" vid="{CFBC31BA-B70F-4F30-BCAA-4F3011E16C4D}"/>
+      <thm15:themeFamily xmlns:thm15="http://schemas.microsoft.com/office/thememl/2012/main" name="Facet" id="{C0C680CD-088A-49FC-A102-D699147F32B2}" vid="{CFBC31BA-B70F-4F30-BCAA-4F3011E16C4D}"/>
     </a:ext>
   </a:extLst>
 </a:theme>
